--- a/writeup/diagrams.pptx
+++ b/writeup/diagrams.pptx
@@ -288,7 +288,7 @@
           <a:p>
             <a:fld id="{22474BBA-4AC9-FB47-B4AD-F07B872D5BBC}" type="datetimeFigureOut">
               <a:rPr lang="en-US" smtClean="0"/>
-              <a:t>4/18/16</a:t>
+              <a:t>7/15/16</a:t>
             </a:fld>
             <a:endParaRPr lang="en-US"/>
           </a:p>
@@ -458,7 +458,7 @@
           <a:p>
             <a:fld id="{22474BBA-4AC9-FB47-B4AD-F07B872D5BBC}" type="datetimeFigureOut">
               <a:rPr lang="en-US" smtClean="0"/>
-              <a:t>4/18/16</a:t>
+              <a:t>7/15/16</a:t>
             </a:fld>
             <a:endParaRPr lang="en-US"/>
           </a:p>
@@ -638,7 +638,7 @@
           <a:p>
             <a:fld id="{22474BBA-4AC9-FB47-B4AD-F07B872D5BBC}" type="datetimeFigureOut">
               <a:rPr lang="en-US" smtClean="0"/>
-              <a:t>4/18/16</a:t>
+              <a:t>7/15/16</a:t>
             </a:fld>
             <a:endParaRPr lang="en-US"/>
           </a:p>
@@ -808,7 +808,7 @@
           <a:p>
             <a:fld id="{22474BBA-4AC9-FB47-B4AD-F07B872D5BBC}" type="datetimeFigureOut">
               <a:rPr lang="en-US" smtClean="0"/>
-              <a:t>4/18/16</a:t>
+              <a:t>7/15/16</a:t>
             </a:fld>
             <a:endParaRPr lang="en-US"/>
           </a:p>
@@ -1054,7 +1054,7 @@
           <a:p>
             <a:fld id="{22474BBA-4AC9-FB47-B4AD-F07B872D5BBC}" type="datetimeFigureOut">
               <a:rPr lang="en-US" smtClean="0"/>
-              <a:t>4/18/16</a:t>
+              <a:t>7/15/16</a:t>
             </a:fld>
             <a:endParaRPr lang="en-US"/>
           </a:p>
@@ -1342,7 +1342,7 @@
           <a:p>
             <a:fld id="{22474BBA-4AC9-FB47-B4AD-F07B872D5BBC}" type="datetimeFigureOut">
               <a:rPr lang="en-US" smtClean="0"/>
-              <a:t>4/18/16</a:t>
+              <a:t>7/15/16</a:t>
             </a:fld>
             <a:endParaRPr lang="en-US"/>
           </a:p>
@@ -1764,7 +1764,7 @@
           <a:p>
             <a:fld id="{22474BBA-4AC9-FB47-B4AD-F07B872D5BBC}" type="datetimeFigureOut">
               <a:rPr lang="en-US" smtClean="0"/>
-              <a:t>4/18/16</a:t>
+              <a:t>7/15/16</a:t>
             </a:fld>
             <a:endParaRPr lang="en-US"/>
           </a:p>
@@ -1882,7 +1882,7 @@
           <a:p>
             <a:fld id="{22474BBA-4AC9-FB47-B4AD-F07B872D5BBC}" type="datetimeFigureOut">
               <a:rPr lang="en-US" smtClean="0"/>
-              <a:t>4/18/16</a:t>
+              <a:t>7/15/16</a:t>
             </a:fld>
             <a:endParaRPr lang="en-US"/>
           </a:p>
@@ -1977,7 +1977,7 @@
           <a:p>
             <a:fld id="{22474BBA-4AC9-FB47-B4AD-F07B872D5BBC}" type="datetimeFigureOut">
               <a:rPr lang="en-US" smtClean="0"/>
-              <a:t>4/18/16</a:t>
+              <a:t>7/15/16</a:t>
             </a:fld>
             <a:endParaRPr lang="en-US"/>
           </a:p>
@@ -2254,7 +2254,7 @@
           <a:p>
             <a:fld id="{22474BBA-4AC9-FB47-B4AD-F07B872D5BBC}" type="datetimeFigureOut">
               <a:rPr lang="en-US" smtClean="0"/>
-              <a:t>4/18/16</a:t>
+              <a:t>7/15/16</a:t>
             </a:fld>
             <a:endParaRPr lang="en-US"/>
           </a:p>
@@ -2507,7 +2507,7 @@
           <a:p>
             <a:fld id="{22474BBA-4AC9-FB47-B4AD-F07B872D5BBC}" type="datetimeFigureOut">
               <a:rPr lang="en-US" smtClean="0"/>
-              <a:t>4/18/16</a:t>
+              <a:t>7/15/16</a:t>
             </a:fld>
             <a:endParaRPr lang="en-US"/>
           </a:p>
@@ -2720,7 +2720,7 @@
           <a:p>
             <a:fld id="{22474BBA-4AC9-FB47-B4AD-F07B872D5BBC}" type="datetimeFigureOut">
               <a:rPr lang="en-US" smtClean="0"/>
-              <a:t>4/18/16</a:t>
+              <a:t>7/15/16</a:t>
             </a:fld>
             <a:endParaRPr lang="en-US"/>
           </a:p>
@@ -3112,412 +3112,396 @@
         </p:spPr>
         <p:style>
           <a:lnRef idx="2">
-            <a:schemeClr val="accent2">
-              <a:shade val="50000"/>
-            </a:schemeClr>
-          </a:lnRef>
-          <a:fillRef idx="1">
-            <a:schemeClr val="accent2"/>
-          </a:fillRef>
-          <a:effectRef idx="0">
-            <a:schemeClr val="accent2"/>
-          </a:effectRef>
-          <a:fontRef idx="minor">
-            <a:schemeClr val="lt1"/>
-          </a:fontRef>
-        </p:style>
-        <p:txBody>
-          <a:bodyPr rtlCol="0" anchor="ctr"/>
-          <a:lstStyle/>
-          <a:p>
-            <a:pPr algn="ctr"/>
-            <a:r>
-              <a:rPr lang="en-US" dirty="0" smtClean="0"/>
-              <a:t>Arabic Text</a:t>
-            </a:r>
-            <a:endParaRPr lang="en-US" dirty="0"/>
-          </a:p>
-        </p:txBody>
-      </p:sp>
-      <p:sp>
-        <p:nvSpPr>
-          <p:cNvPr id="5" name="Right Arrow 4"/>
-          <p:cNvSpPr/>
-          <p:nvPr/>
-        </p:nvSpPr>
-        <p:spPr>
-          <a:xfrm>
-            <a:off x="1991899" y="1005003"/>
-            <a:ext cx="1196965" cy="383728"/>
-          </a:xfrm>
-          <a:prstGeom prst="rightArrow">
-            <a:avLst/>
-          </a:prstGeom>
-        </p:spPr>
-        <p:style>
-          <a:lnRef idx="2">
-            <a:schemeClr val="accent2">
-              <a:shade val="50000"/>
-            </a:schemeClr>
-          </a:lnRef>
-          <a:fillRef idx="1">
-            <a:schemeClr val="accent2"/>
-          </a:fillRef>
-          <a:effectRef idx="0">
-            <a:schemeClr val="accent2"/>
-          </a:effectRef>
-          <a:fontRef idx="minor">
-            <a:schemeClr val="lt1"/>
-          </a:fontRef>
-        </p:style>
-        <p:txBody>
-          <a:bodyPr rtlCol="0" anchor="ctr"/>
-          <a:lstStyle/>
-          <a:p>
-            <a:pPr algn="ctr"/>
-            <a:endParaRPr lang="en-US"/>
-          </a:p>
-        </p:txBody>
-      </p:sp>
-      <p:sp>
-        <p:nvSpPr>
-          <p:cNvPr id="6" name="Rounded Rectangle 5"/>
-          <p:cNvSpPr/>
-          <p:nvPr/>
-        </p:nvSpPr>
-        <p:spPr>
-          <a:xfrm>
-            <a:off x="3313854" y="310638"/>
-            <a:ext cx="1784674" cy="1763322"/>
-          </a:xfrm>
-          <a:prstGeom prst="roundRect">
-            <a:avLst/>
-          </a:prstGeom>
-        </p:spPr>
-        <p:style>
-          <a:lnRef idx="2">
-            <a:schemeClr val="accent2">
-              <a:shade val="50000"/>
-            </a:schemeClr>
-          </a:lnRef>
-          <a:fillRef idx="1">
-            <a:schemeClr val="accent2"/>
-          </a:fillRef>
-          <a:effectRef idx="0">
-            <a:schemeClr val="accent2"/>
-          </a:effectRef>
-          <a:fontRef idx="minor">
-            <a:schemeClr val="lt1"/>
-          </a:fontRef>
-        </p:style>
-        <p:txBody>
-          <a:bodyPr rtlCol="0" anchor="ctr"/>
-          <a:lstStyle/>
-          <a:p>
-            <a:pPr algn="ctr"/>
-            <a:r>
-              <a:rPr lang="en-US" b="1" dirty="0" smtClean="0"/>
-              <a:t>Preprocessing</a:t>
-            </a:r>
-            <a:r>
-              <a:rPr lang="en-US" dirty="0" smtClean="0"/>
-              <a:t>:</a:t>
-            </a:r>
-          </a:p>
-          <a:p>
-            <a:pPr algn="ctr"/>
-            <a:r>
-              <a:rPr lang="en-US" dirty="0" smtClean="0"/>
-              <a:t>Base,</a:t>
-            </a:r>
-          </a:p>
-          <a:p>
-            <a:pPr algn="ctr"/>
-            <a:r>
-              <a:rPr lang="en-US" dirty="0" smtClean="0"/>
-              <a:t>Lemmas,</a:t>
-            </a:r>
-          </a:p>
-          <a:p>
-            <a:pPr algn="ctr"/>
-            <a:r>
-              <a:rPr lang="en-US" dirty="0" smtClean="0"/>
-              <a:t>Or Tokens</a:t>
-            </a:r>
-            <a:endParaRPr lang="en-US" dirty="0"/>
-          </a:p>
-        </p:txBody>
-      </p:sp>
-      <p:sp>
-        <p:nvSpPr>
-          <p:cNvPr id="7" name="Right Arrow 6"/>
-          <p:cNvSpPr/>
-          <p:nvPr/>
-        </p:nvSpPr>
-        <p:spPr>
-          <a:xfrm>
-            <a:off x="5223518" y="1005003"/>
-            <a:ext cx="1196965" cy="383728"/>
-          </a:xfrm>
-          <a:prstGeom prst="rightArrow">
-            <a:avLst/>
-          </a:prstGeom>
-        </p:spPr>
-        <p:style>
-          <a:lnRef idx="2">
-            <a:schemeClr val="accent2">
-              <a:shade val="50000"/>
-            </a:schemeClr>
-          </a:lnRef>
-          <a:fillRef idx="1">
-            <a:schemeClr val="accent2"/>
-          </a:fillRef>
-          <a:effectRef idx="0">
-            <a:schemeClr val="accent2"/>
-          </a:effectRef>
-          <a:fontRef idx="minor">
-            <a:schemeClr val="lt1"/>
-          </a:fontRef>
-        </p:style>
-        <p:txBody>
-          <a:bodyPr rtlCol="0" anchor="ctr"/>
-          <a:lstStyle/>
-          <a:p>
-            <a:pPr algn="ctr"/>
-            <a:endParaRPr lang="en-US"/>
-          </a:p>
-        </p:txBody>
-      </p:sp>
-      <p:sp>
-        <p:nvSpPr>
-          <p:cNvPr id="8" name="Rounded Rectangle 7"/>
-          <p:cNvSpPr/>
-          <p:nvPr/>
-        </p:nvSpPr>
-        <p:spPr>
-          <a:xfrm>
-            <a:off x="6545473" y="310638"/>
-            <a:ext cx="1784674" cy="1763322"/>
-          </a:xfrm>
-          <a:prstGeom prst="roundRect">
-            <a:avLst/>
-          </a:prstGeom>
-        </p:spPr>
-        <p:style>
-          <a:lnRef idx="2">
-            <a:schemeClr val="accent2">
-              <a:shade val="50000"/>
-            </a:schemeClr>
-          </a:lnRef>
-          <a:fillRef idx="1">
-            <a:schemeClr val="accent2"/>
-          </a:fillRef>
-          <a:effectRef idx="0">
-            <a:schemeClr val="accent2"/>
-          </a:effectRef>
-          <a:fontRef idx="minor">
-            <a:schemeClr val="lt1"/>
-          </a:fontRef>
-        </p:style>
-        <p:txBody>
-          <a:bodyPr rtlCol="0" anchor="ctr"/>
-          <a:lstStyle/>
-          <a:p>
-            <a:pPr algn="ctr"/>
-            <a:r>
-              <a:rPr lang="en-US" b="1" dirty="0" smtClean="0"/>
-              <a:t>Normalization</a:t>
-            </a:r>
-            <a:r>
-              <a:rPr lang="en-US" dirty="0" smtClean="0"/>
-              <a:t>:</a:t>
-            </a:r>
-          </a:p>
-          <a:p>
-            <a:pPr algn="ctr"/>
-            <a:r>
-              <a:rPr lang="en-US" dirty="0" smtClean="0"/>
-              <a:t>Normalize Digits and/or Vowel Marks</a:t>
-            </a:r>
-          </a:p>
-        </p:txBody>
-      </p:sp>
-      <p:sp>
-        <p:nvSpPr>
-          <p:cNvPr id="9" name="Right Arrow 8"/>
-          <p:cNvSpPr/>
-          <p:nvPr/>
-        </p:nvSpPr>
-        <p:spPr>
-          <a:xfrm rot="5400000">
-            <a:off x="6213619" y="3280019"/>
-            <a:ext cx="2536819" cy="383728"/>
-          </a:xfrm>
-          <a:prstGeom prst="rightArrow">
-            <a:avLst/>
-          </a:prstGeom>
-        </p:spPr>
-        <p:style>
-          <a:lnRef idx="2">
-            <a:schemeClr val="accent2">
-              <a:shade val="50000"/>
-            </a:schemeClr>
-          </a:lnRef>
-          <a:fillRef idx="1">
-            <a:schemeClr val="accent2"/>
-          </a:fillRef>
-          <a:effectRef idx="0">
-            <a:schemeClr val="accent2"/>
-          </a:effectRef>
-          <a:fontRef idx="minor">
-            <a:schemeClr val="lt1"/>
-          </a:fontRef>
-        </p:style>
-        <p:txBody>
-          <a:bodyPr rtlCol="0" anchor="ctr"/>
-          <a:lstStyle/>
-          <a:p>
-            <a:pPr algn="ctr"/>
-            <a:endParaRPr lang="en-US"/>
-          </a:p>
-        </p:txBody>
-      </p:sp>
-      <p:sp>
-        <p:nvSpPr>
-          <p:cNvPr id="10" name="Rounded Rectangle 9"/>
-          <p:cNvSpPr/>
-          <p:nvPr/>
-        </p:nvSpPr>
-        <p:spPr>
-          <a:xfrm>
-            <a:off x="6420482" y="4933366"/>
-            <a:ext cx="2067927" cy="1319505"/>
-          </a:xfrm>
-          <a:prstGeom prst="roundRect">
-            <a:avLst/>
-          </a:prstGeom>
-        </p:spPr>
-        <p:style>
-          <a:lnRef idx="2">
-            <a:schemeClr val="accent2">
-              <a:shade val="50000"/>
-            </a:schemeClr>
-          </a:lnRef>
-          <a:fillRef idx="1">
-            <a:schemeClr val="accent2"/>
-          </a:fillRef>
-          <a:effectRef idx="0">
-            <a:schemeClr val="accent2"/>
-          </a:effectRef>
-          <a:fontRef idx="minor">
-            <a:schemeClr val="lt1"/>
-          </a:fontRef>
-        </p:style>
-        <p:txBody>
-          <a:bodyPr rtlCol="0" anchor="ctr"/>
-          <a:lstStyle/>
-          <a:p>
-            <a:pPr algn="ctr"/>
-            <a:r>
-              <a:rPr lang="en-US" b="1" dirty="0" smtClean="0"/>
-              <a:t>Word2Vec</a:t>
-            </a:r>
-            <a:r>
-              <a:rPr lang="en-US" dirty="0" smtClean="0"/>
-              <a:t>:</a:t>
-            </a:r>
-          </a:p>
-          <a:p>
-            <a:pPr algn="ctr"/>
-            <a:r>
-              <a:rPr lang="en-US" dirty="0" err="1" smtClean="0"/>
-              <a:t>Skipgram</a:t>
-            </a:r>
-            <a:r>
-              <a:rPr lang="en-US" dirty="0" smtClean="0"/>
-              <a:t>/CBOW,</a:t>
-            </a:r>
-          </a:p>
-          <a:p>
-            <a:pPr algn="ctr"/>
-            <a:r>
-              <a:rPr lang="en-US" dirty="0" smtClean="0"/>
-              <a:t>Window Width,</a:t>
-            </a:r>
-          </a:p>
-          <a:p>
-            <a:pPr algn="ctr"/>
-            <a:r>
-              <a:rPr lang="en-US" dirty="0" smtClean="0"/>
-              <a:t>Vector Size</a:t>
-            </a:r>
-          </a:p>
-        </p:txBody>
-      </p:sp>
-      <p:sp>
-        <p:nvSpPr>
-          <p:cNvPr id="11" name="Right Arrow 10"/>
-          <p:cNvSpPr/>
-          <p:nvPr/>
-        </p:nvSpPr>
-        <p:spPr>
-          <a:xfrm rot="10800000">
-            <a:off x="4504612" y="5462296"/>
-            <a:ext cx="1717782" cy="383728"/>
-          </a:xfrm>
-          <a:prstGeom prst="rightArrow">
-            <a:avLst/>
-          </a:prstGeom>
-        </p:spPr>
-        <p:style>
-          <a:lnRef idx="2">
-            <a:schemeClr val="accent2">
-              <a:shade val="50000"/>
-            </a:schemeClr>
-          </a:lnRef>
-          <a:fillRef idx="1">
-            <a:schemeClr val="accent2"/>
-          </a:fillRef>
-          <a:effectRef idx="0">
-            <a:schemeClr val="accent2"/>
-          </a:effectRef>
-          <a:fontRef idx="minor">
-            <a:schemeClr val="lt1"/>
-          </a:fontRef>
-        </p:style>
-        <p:txBody>
-          <a:bodyPr rtlCol="0" anchor="ctr"/>
-          <a:lstStyle/>
-          <a:p>
-            <a:pPr algn="ctr"/>
-            <a:endParaRPr lang="en-US"/>
-          </a:p>
-        </p:txBody>
-      </p:sp>
-      <p:sp>
-        <p:nvSpPr>
-          <p:cNvPr id="13" name="Cube 12"/>
-          <p:cNvSpPr/>
-          <p:nvPr/>
-        </p:nvSpPr>
-        <p:spPr>
-          <a:xfrm>
-            <a:off x="1041634" y="2474694"/>
-            <a:ext cx="3234551" cy="3243418"/>
-          </a:xfrm>
-          <a:prstGeom prst="cube">
-            <a:avLst/>
-          </a:prstGeom>
-        </p:spPr>
-        <p:style>
-          <a:lnRef idx="2">
-            <a:schemeClr val="accent2"/>
+            <a:schemeClr val="dk1"/>
           </a:lnRef>
           <a:fillRef idx="1">
             <a:schemeClr val="lt1"/>
           </a:fillRef>
           <a:effectRef idx="0">
-            <a:schemeClr val="accent2"/>
+            <a:schemeClr val="dk1"/>
+          </a:effectRef>
+          <a:fontRef idx="minor">
+            <a:schemeClr val="dk1"/>
+          </a:fontRef>
+        </p:style>
+        <p:txBody>
+          <a:bodyPr rtlCol="0" anchor="ctr"/>
+          <a:lstStyle/>
+          <a:p>
+            <a:pPr algn="ctr"/>
+            <a:r>
+              <a:rPr lang="en-US" dirty="0" smtClean="0"/>
+              <a:t>Arabic Text</a:t>
+            </a:r>
+            <a:endParaRPr lang="en-US" dirty="0"/>
+          </a:p>
+        </p:txBody>
+      </p:sp>
+      <p:sp>
+        <p:nvSpPr>
+          <p:cNvPr id="5" name="Right Arrow 4"/>
+          <p:cNvSpPr/>
+          <p:nvPr/>
+        </p:nvSpPr>
+        <p:spPr>
+          <a:xfrm>
+            <a:off x="1991899" y="1005003"/>
+            <a:ext cx="1196965" cy="383728"/>
+          </a:xfrm>
+          <a:prstGeom prst="rightArrow">
+            <a:avLst/>
+          </a:prstGeom>
+        </p:spPr>
+        <p:style>
+          <a:lnRef idx="2">
+            <a:schemeClr val="dk1"/>
+          </a:lnRef>
+          <a:fillRef idx="1">
+            <a:schemeClr val="lt1"/>
+          </a:fillRef>
+          <a:effectRef idx="0">
+            <a:schemeClr val="dk1"/>
+          </a:effectRef>
+          <a:fontRef idx="minor">
+            <a:schemeClr val="dk1"/>
+          </a:fontRef>
+        </p:style>
+        <p:txBody>
+          <a:bodyPr rtlCol="0" anchor="ctr"/>
+          <a:lstStyle/>
+          <a:p>
+            <a:pPr algn="ctr"/>
+            <a:endParaRPr lang="en-US"/>
+          </a:p>
+        </p:txBody>
+      </p:sp>
+      <p:sp>
+        <p:nvSpPr>
+          <p:cNvPr id="6" name="Rounded Rectangle 5"/>
+          <p:cNvSpPr/>
+          <p:nvPr/>
+        </p:nvSpPr>
+        <p:spPr>
+          <a:xfrm>
+            <a:off x="3313854" y="310638"/>
+            <a:ext cx="1784674" cy="1763322"/>
+          </a:xfrm>
+          <a:prstGeom prst="roundRect">
+            <a:avLst/>
+          </a:prstGeom>
+        </p:spPr>
+        <p:style>
+          <a:lnRef idx="2">
+            <a:schemeClr val="dk1"/>
+          </a:lnRef>
+          <a:fillRef idx="1">
+            <a:schemeClr val="lt1"/>
+          </a:fillRef>
+          <a:effectRef idx="0">
+            <a:schemeClr val="dk1"/>
+          </a:effectRef>
+          <a:fontRef idx="minor">
+            <a:schemeClr val="dk1"/>
+          </a:fontRef>
+        </p:style>
+        <p:txBody>
+          <a:bodyPr rtlCol="0" anchor="ctr"/>
+          <a:lstStyle/>
+          <a:p>
+            <a:pPr algn="ctr"/>
+            <a:r>
+              <a:rPr lang="en-US" b="1" dirty="0" smtClean="0"/>
+              <a:t>Preprocessing</a:t>
+            </a:r>
+            <a:r>
+              <a:rPr lang="en-US" dirty="0" smtClean="0"/>
+              <a:t>:</a:t>
+            </a:r>
+          </a:p>
+          <a:p>
+            <a:pPr algn="ctr"/>
+            <a:r>
+              <a:rPr lang="en-US" dirty="0" smtClean="0"/>
+              <a:t>Base,</a:t>
+            </a:r>
+          </a:p>
+          <a:p>
+            <a:pPr algn="ctr"/>
+            <a:r>
+              <a:rPr lang="en-US" dirty="0" smtClean="0"/>
+              <a:t>Lemmas,</a:t>
+            </a:r>
+          </a:p>
+          <a:p>
+            <a:pPr algn="ctr"/>
+            <a:r>
+              <a:rPr lang="en-US" dirty="0" smtClean="0"/>
+              <a:t>Or Tokens</a:t>
+            </a:r>
+            <a:endParaRPr lang="en-US" dirty="0"/>
+          </a:p>
+        </p:txBody>
+      </p:sp>
+      <p:sp>
+        <p:nvSpPr>
+          <p:cNvPr id="7" name="Right Arrow 6"/>
+          <p:cNvSpPr/>
+          <p:nvPr/>
+        </p:nvSpPr>
+        <p:spPr>
+          <a:xfrm>
+            <a:off x="5223518" y="1005003"/>
+            <a:ext cx="1196965" cy="383728"/>
+          </a:xfrm>
+          <a:prstGeom prst="rightArrow">
+            <a:avLst/>
+          </a:prstGeom>
+        </p:spPr>
+        <p:style>
+          <a:lnRef idx="2">
+            <a:schemeClr val="dk1"/>
+          </a:lnRef>
+          <a:fillRef idx="1">
+            <a:schemeClr val="lt1"/>
+          </a:fillRef>
+          <a:effectRef idx="0">
+            <a:schemeClr val="dk1"/>
+          </a:effectRef>
+          <a:fontRef idx="minor">
+            <a:schemeClr val="dk1"/>
+          </a:fontRef>
+        </p:style>
+        <p:txBody>
+          <a:bodyPr rtlCol="0" anchor="ctr"/>
+          <a:lstStyle/>
+          <a:p>
+            <a:pPr algn="ctr"/>
+            <a:endParaRPr lang="en-US"/>
+          </a:p>
+        </p:txBody>
+      </p:sp>
+      <p:sp>
+        <p:nvSpPr>
+          <p:cNvPr id="8" name="Rounded Rectangle 7"/>
+          <p:cNvSpPr/>
+          <p:nvPr/>
+        </p:nvSpPr>
+        <p:spPr>
+          <a:xfrm>
+            <a:off x="6545473" y="310638"/>
+            <a:ext cx="1784674" cy="1763322"/>
+          </a:xfrm>
+          <a:prstGeom prst="roundRect">
+            <a:avLst/>
+          </a:prstGeom>
+        </p:spPr>
+        <p:style>
+          <a:lnRef idx="2">
+            <a:schemeClr val="dk1"/>
+          </a:lnRef>
+          <a:fillRef idx="1">
+            <a:schemeClr val="lt1"/>
+          </a:fillRef>
+          <a:effectRef idx="0">
+            <a:schemeClr val="dk1"/>
+          </a:effectRef>
+          <a:fontRef idx="minor">
+            <a:schemeClr val="dk1"/>
+          </a:fontRef>
+        </p:style>
+        <p:txBody>
+          <a:bodyPr rtlCol="0" anchor="ctr"/>
+          <a:lstStyle/>
+          <a:p>
+            <a:pPr algn="ctr"/>
+            <a:r>
+              <a:rPr lang="en-US" b="1" dirty="0" smtClean="0"/>
+              <a:t>Normalization</a:t>
+            </a:r>
+            <a:r>
+              <a:rPr lang="en-US" dirty="0" smtClean="0"/>
+              <a:t>:</a:t>
+            </a:r>
+          </a:p>
+          <a:p>
+            <a:pPr algn="ctr"/>
+            <a:r>
+              <a:rPr lang="en-US" dirty="0" smtClean="0"/>
+              <a:t>Normalize Digits and/or Vowel Marks</a:t>
+            </a:r>
+          </a:p>
+        </p:txBody>
+      </p:sp>
+      <p:sp>
+        <p:nvSpPr>
+          <p:cNvPr id="9" name="Right Arrow 8"/>
+          <p:cNvSpPr/>
+          <p:nvPr/>
+        </p:nvSpPr>
+        <p:spPr>
+          <a:xfrm rot="5400000">
+            <a:off x="6213619" y="3280019"/>
+            <a:ext cx="2536819" cy="383728"/>
+          </a:xfrm>
+          <a:prstGeom prst="rightArrow">
+            <a:avLst/>
+          </a:prstGeom>
+        </p:spPr>
+        <p:style>
+          <a:lnRef idx="2">
+            <a:schemeClr val="dk1"/>
+          </a:lnRef>
+          <a:fillRef idx="1">
+            <a:schemeClr val="lt1"/>
+          </a:fillRef>
+          <a:effectRef idx="0">
+            <a:schemeClr val="dk1"/>
+          </a:effectRef>
+          <a:fontRef idx="minor">
+            <a:schemeClr val="dk1"/>
+          </a:fontRef>
+        </p:style>
+        <p:txBody>
+          <a:bodyPr rtlCol="0" anchor="ctr"/>
+          <a:lstStyle/>
+          <a:p>
+            <a:pPr algn="ctr"/>
+            <a:endParaRPr lang="en-US"/>
+          </a:p>
+        </p:txBody>
+      </p:sp>
+      <p:sp>
+        <p:nvSpPr>
+          <p:cNvPr id="10" name="Rounded Rectangle 9"/>
+          <p:cNvSpPr/>
+          <p:nvPr/>
+        </p:nvSpPr>
+        <p:spPr>
+          <a:xfrm>
+            <a:off x="6420482" y="4933366"/>
+            <a:ext cx="2067927" cy="1319505"/>
+          </a:xfrm>
+          <a:prstGeom prst="roundRect">
+            <a:avLst/>
+          </a:prstGeom>
+        </p:spPr>
+        <p:style>
+          <a:lnRef idx="2">
+            <a:schemeClr val="dk1"/>
+          </a:lnRef>
+          <a:fillRef idx="1">
+            <a:schemeClr val="lt1"/>
+          </a:fillRef>
+          <a:effectRef idx="0">
+            <a:schemeClr val="dk1"/>
+          </a:effectRef>
+          <a:fontRef idx="minor">
+            <a:schemeClr val="dk1"/>
+          </a:fontRef>
+        </p:style>
+        <p:txBody>
+          <a:bodyPr rtlCol="0" anchor="ctr"/>
+          <a:lstStyle/>
+          <a:p>
+            <a:pPr algn="ctr"/>
+            <a:r>
+              <a:rPr lang="en-US" b="1" dirty="0" smtClean="0"/>
+              <a:t>Word2Vec</a:t>
+            </a:r>
+            <a:r>
+              <a:rPr lang="en-US" dirty="0" smtClean="0"/>
+              <a:t>:</a:t>
+            </a:r>
+          </a:p>
+          <a:p>
+            <a:pPr algn="ctr"/>
+            <a:r>
+              <a:rPr lang="en-US" dirty="0" err="1" smtClean="0"/>
+              <a:t>Skipgram</a:t>
+            </a:r>
+            <a:r>
+              <a:rPr lang="en-US" dirty="0" smtClean="0"/>
+              <a:t>/CBOW,</a:t>
+            </a:r>
+          </a:p>
+          <a:p>
+            <a:pPr algn="ctr"/>
+            <a:r>
+              <a:rPr lang="en-US" dirty="0" smtClean="0"/>
+              <a:t>Window Width,</a:t>
+            </a:r>
+          </a:p>
+          <a:p>
+            <a:pPr algn="ctr"/>
+            <a:r>
+              <a:rPr lang="en-US" dirty="0" smtClean="0"/>
+              <a:t>Vector Size</a:t>
+            </a:r>
+          </a:p>
+        </p:txBody>
+      </p:sp>
+      <p:sp>
+        <p:nvSpPr>
+          <p:cNvPr id="11" name="Right Arrow 10"/>
+          <p:cNvSpPr/>
+          <p:nvPr/>
+        </p:nvSpPr>
+        <p:spPr>
+          <a:xfrm rot="10800000">
+            <a:off x="4504612" y="5462296"/>
+            <a:ext cx="1717782" cy="383728"/>
+          </a:xfrm>
+          <a:prstGeom prst="rightArrow">
+            <a:avLst/>
+          </a:prstGeom>
+        </p:spPr>
+        <p:style>
+          <a:lnRef idx="2">
+            <a:schemeClr val="dk1"/>
+          </a:lnRef>
+          <a:fillRef idx="1">
+            <a:schemeClr val="lt1"/>
+          </a:fillRef>
+          <a:effectRef idx="0">
+            <a:schemeClr val="dk1"/>
+          </a:effectRef>
+          <a:fontRef idx="minor">
+            <a:schemeClr val="dk1"/>
+          </a:fontRef>
+        </p:style>
+        <p:txBody>
+          <a:bodyPr rtlCol="0" anchor="ctr"/>
+          <a:lstStyle/>
+          <a:p>
+            <a:pPr algn="ctr"/>
+            <a:endParaRPr lang="en-US"/>
+          </a:p>
+        </p:txBody>
+      </p:sp>
+      <p:sp>
+        <p:nvSpPr>
+          <p:cNvPr id="13" name="Cube 12"/>
+          <p:cNvSpPr/>
+          <p:nvPr/>
+        </p:nvSpPr>
+        <p:spPr>
+          <a:xfrm>
+            <a:off x="1041634" y="2474694"/>
+            <a:ext cx="3234551" cy="3243418"/>
+          </a:xfrm>
+          <a:prstGeom prst="cube">
+            <a:avLst/>
+          </a:prstGeom>
+        </p:spPr>
+        <p:style>
+          <a:lnRef idx="2">
+            <a:schemeClr val="dk1"/>
+          </a:lnRef>
+          <a:fillRef idx="1">
+            <a:schemeClr val="lt1"/>
+          </a:fillRef>
+          <a:effectRef idx="0">
+            <a:schemeClr val="dk1"/>
           </a:effectRef>
           <a:fontRef idx="minor">
             <a:schemeClr val="dk1"/>
@@ -3549,18 +3533,16 @@
         </p:spPr>
         <p:style>
           <a:lnRef idx="2">
-            <a:schemeClr val="accent2">
-              <a:shade val="50000"/>
-            </a:schemeClr>
+            <a:schemeClr val="dk1"/>
           </a:lnRef>
           <a:fillRef idx="1">
-            <a:schemeClr val="accent2"/>
+            <a:schemeClr val="lt1"/>
           </a:fillRef>
           <a:effectRef idx="0">
-            <a:schemeClr val="accent2"/>
+            <a:schemeClr val="dk1"/>
           </a:effectRef>
           <a:fontRef idx="minor">
-            <a:schemeClr val="lt1"/>
+            <a:schemeClr val="dk1"/>
           </a:fontRef>
         </p:style>
         <p:txBody>
@@ -3592,18 +3574,16 @@
         </p:spPr>
         <p:style>
           <a:lnRef idx="2">
-            <a:schemeClr val="accent2">
-              <a:shade val="50000"/>
-            </a:schemeClr>
+            <a:schemeClr val="dk1"/>
           </a:lnRef>
           <a:fillRef idx="1">
-            <a:schemeClr val="accent2"/>
+            <a:schemeClr val="lt1"/>
           </a:fillRef>
           <a:effectRef idx="0">
-            <a:schemeClr val="accent2"/>
+            <a:schemeClr val="dk1"/>
           </a:effectRef>
           <a:fontRef idx="minor">
-            <a:schemeClr val="lt1"/>
+            <a:schemeClr val="dk1"/>
           </a:fontRef>
         </p:style>
         <p:txBody>
@@ -3632,18 +3612,16 @@
         </p:spPr>
         <p:style>
           <a:lnRef idx="2">
-            <a:schemeClr val="accent2">
-              <a:shade val="50000"/>
-            </a:schemeClr>
+            <a:schemeClr val="dk1"/>
           </a:lnRef>
           <a:fillRef idx="1">
-            <a:schemeClr val="accent2"/>
+            <a:schemeClr val="lt1"/>
           </a:fillRef>
           <a:effectRef idx="0">
-            <a:schemeClr val="accent2"/>
+            <a:schemeClr val="dk1"/>
           </a:effectRef>
           <a:fontRef idx="minor">
-            <a:schemeClr val="lt1"/>
+            <a:schemeClr val="dk1"/>
           </a:fontRef>
         </p:style>
         <p:txBody>
@@ -3672,18 +3650,16 @@
         </p:spPr>
         <p:style>
           <a:lnRef idx="2">
-            <a:schemeClr val="accent2">
-              <a:shade val="50000"/>
-            </a:schemeClr>
+            <a:schemeClr val="dk1"/>
           </a:lnRef>
           <a:fillRef idx="1">
-            <a:schemeClr val="accent2"/>
+            <a:schemeClr val="lt1"/>
           </a:fillRef>
           <a:effectRef idx="0">
-            <a:schemeClr val="accent2"/>
+            <a:schemeClr val="dk1"/>
           </a:effectRef>
           <a:fontRef idx="minor">
-            <a:schemeClr val="lt1"/>
+            <a:schemeClr val="dk1"/>
           </a:fontRef>
         </p:style>
         <p:txBody>
@@ -3712,18 +3688,16 @@
         </p:spPr>
         <p:style>
           <a:lnRef idx="2">
-            <a:schemeClr val="accent2">
-              <a:shade val="50000"/>
-            </a:schemeClr>
+            <a:schemeClr val="dk1"/>
           </a:lnRef>
           <a:fillRef idx="1">
-            <a:schemeClr val="accent2"/>
+            <a:schemeClr val="lt1"/>
           </a:fillRef>
           <a:effectRef idx="0">
-            <a:schemeClr val="accent2"/>
+            <a:schemeClr val="dk1"/>
           </a:effectRef>
           <a:fontRef idx="minor">
-            <a:schemeClr val="lt1"/>
+            <a:schemeClr val="dk1"/>
           </a:fontRef>
         </p:style>
         <p:txBody>
@@ -3752,18 +3726,16 @@
         </p:spPr>
         <p:style>
           <a:lnRef idx="2">
-            <a:schemeClr val="accent2">
-              <a:shade val="50000"/>
-            </a:schemeClr>
+            <a:schemeClr val="dk1"/>
           </a:lnRef>
           <a:fillRef idx="1">
-            <a:schemeClr val="accent2"/>
+            <a:schemeClr val="lt1"/>
           </a:fillRef>
           <a:effectRef idx="0">
-            <a:schemeClr val="accent2"/>
+            <a:schemeClr val="dk1"/>
           </a:effectRef>
           <a:fontRef idx="minor">
-            <a:schemeClr val="lt1"/>
+            <a:schemeClr val="dk1"/>
           </a:fontRef>
         </p:style>
         <p:txBody>
@@ -3792,18 +3764,16 @@
         </p:spPr>
         <p:style>
           <a:lnRef idx="2">
-            <a:schemeClr val="accent2">
-              <a:shade val="50000"/>
-            </a:schemeClr>
+            <a:schemeClr val="dk1"/>
           </a:lnRef>
           <a:fillRef idx="1">
-            <a:schemeClr val="accent2"/>
+            <a:schemeClr val="lt1"/>
           </a:fillRef>
           <a:effectRef idx="0">
-            <a:schemeClr val="accent2"/>
+            <a:schemeClr val="dk1"/>
           </a:effectRef>
           <a:fontRef idx="minor">
-            <a:schemeClr val="lt1"/>
+            <a:schemeClr val="dk1"/>
           </a:fontRef>
         </p:style>
         <p:txBody>
@@ -3832,18 +3802,16 @@
         </p:spPr>
         <p:style>
           <a:lnRef idx="2">
-            <a:schemeClr val="accent2">
-              <a:shade val="50000"/>
-            </a:schemeClr>
+            <a:schemeClr val="dk1"/>
           </a:lnRef>
           <a:fillRef idx="1">
-            <a:schemeClr val="accent2"/>
+            <a:schemeClr val="lt1"/>
           </a:fillRef>
           <a:effectRef idx="0">
-            <a:schemeClr val="accent2"/>
+            <a:schemeClr val="dk1"/>
           </a:effectRef>
           <a:fontRef idx="minor">
-            <a:schemeClr val="lt1"/>
+            <a:schemeClr val="dk1"/>
           </a:fontRef>
         </p:style>
         <p:txBody>
@@ -3872,18 +3840,16 @@
         </p:spPr>
         <p:style>
           <a:lnRef idx="2">
-            <a:schemeClr val="accent2">
-              <a:shade val="50000"/>
-            </a:schemeClr>
+            <a:schemeClr val="dk1"/>
           </a:lnRef>
           <a:fillRef idx="1">
-            <a:schemeClr val="accent2"/>
+            <a:schemeClr val="lt1"/>
           </a:fillRef>
           <a:effectRef idx="0">
-            <a:schemeClr val="accent2"/>
+            <a:schemeClr val="dk1"/>
           </a:effectRef>
           <a:fontRef idx="minor">
-            <a:schemeClr val="lt1"/>
+            <a:schemeClr val="dk1"/>
           </a:fontRef>
         </p:style>
         <p:txBody>
@@ -3912,18 +3878,16 @@
         </p:spPr>
         <p:style>
           <a:lnRef idx="2">
-            <a:schemeClr val="accent2">
-              <a:shade val="50000"/>
-            </a:schemeClr>
+            <a:schemeClr val="dk1"/>
           </a:lnRef>
           <a:fillRef idx="1">
-            <a:schemeClr val="accent2"/>
+            <a:schemeClr val="lt1"/>
           </a:fillRef>
           <a:effectRef idx="0">
-            <a:schemeClr val="accent2"/>
+            <a:schemeClr val="dk1"/>
           </a:effectRef>
           <a:fontRef idx="minor">
-            <a:schemeClr val="lt1"/>
+            <a:schemeClr val="dk1"/>
           </a:fontRef>
         </p:style>
         <p:txBody>
@@ -3952,18 +3916,16 @@
         </p:spPr>
         <p:style>
           <a:lnRef idx="2">
-            <a:schemeClr val="accent2">
-              <a:shade val="50000"/>
-            </a:schemeClr>
+            <a:schemeClr val="dk1"/>
           </a:lnRef>
           <a:fillRef idx="1">
-            <a:schemeClr val="accent2"/>
+            <a:schemeClr val="lt1"/>
           </a:fillRef>
           <a:effectRef idx="0">
-            <a:schemeClr val="accent2"/>
+            <a:schemeClr val="dk1"/>
           </a:effectRef>
           <a:fontRef idx="minor">
-            <a:schemeClr val="lt1"/>
+            <a:schemeClr val="dk1"/>
           </a:fontRef>
         </p:style>
         <p:txBody>
@@ -3992,18 +3954,16 @@
         </p:spPr>
         <p:style>
           <a:lnRef idx="2">
-            <a:schemeClr val="accent2">
-              <a:shade val="50000"/>
-            </a:schemeClr>
+            <a:schemeClr val="dk1"/>
           </a:lnRef>
           <a:fillRef idx="1">
-            <a:schemeClr val="accent2"/>
+            <a:schemeClr val="lt1"/>
           </a:fillRef>
           <a:effectRef idx="0">
-            <a:schemeClr val="accent2"/>
+            <a:schemeClr val="dk1"/>
           </a:effectRef>
           <a:fontRef idx="minor">
-            <a:schemeClr val="lt1"/>
+            <a:schemeClr val="dk1"/>
           </a:fontRef>
         </p:style>
         <p:txBody>
@@ -4032,18 +3992,16 @@
         </p:spPr>
         <p:style>
           <a:lnRef idx="2">
-            <a:schemeClr val="accent2">
-              <a:shade val="50000"/>
-            </a:schemeClr>
+            <a:schemeClr val="dk1"/>
           </a:lnRef>
           <a:fillRef idx="1">
-            <a:schemeClr val="accent2"/>
+            <a:schemeClr val="lt1"/>
           </a:fillRef>
           <a:effectRef idx="0">
-            <a:schemeClr val="accent2"/>
+            <a:schemeClr val="dk1"/>
           </a:effectRef>
           <a:fontRef idx="minor">
-            <a:schemeClr val="lt1"/>
+            <a:schemeClr val="dk1"/>
           </a:fontRef>
         </p:style>
         <p:txBody>
@@ -4075,16 +4033,16 @@
         </p:spPr>
         <p:style>
           <a:lnRef idx="2">
-            <a:schemeClr val="accent2"/>
+            <a:schemeClr val="dk1"/>
           </a:lnRef>
-          <a:fillRef idx="0">
-            <a:schemeClr val="accent2"/>
+          <a:fillRef idx="1">
+            <a:schemeClr val="lt1"/>
           </a:fillRef>
-          <a:effectRef idx="1">
-            <a:schemeClr val="accent2"/>
+          <a:effectRef idx="0">
+            <a:schemeClr val="dk1"/>
           </a:effectRef>
           <a:fontRef idx="minor">
-            <a:schemeClr val="tx1"/>
+            <a:schemeClr val="dk1"/>
           </a:fontRef>
         </p:style>
       </p:cxnSp>
@@ -4105,18 +4063,16 @@
         </p:spPr>
         <p:style>
           <a:lnRef idx="2">
-            <a:schemeClr val="accent2">
-              <a:shade val="50000"/>
-            </a:schemeClr>
+            <a:schemeClr val="dk1"/>
           </a:lnRef>
           <a:fillRef idx="1">
-            <a:schemeClr val="accent2"/>
+            <a:schemeClr val="lt1"/>
           </a:fillRef>
           <a:effectRef idx="0">
-            <a:schemeClr val="accent2"/>
+            <a:schemeClr val="dk1"/>
           </a:effectRef>
           <a:fontRef idx="minor">
-            <a:schemeClr val="lt1"/>
+            <a:schemeClr val="dk1"/>
           </a:fontRef>
         </p:style>
         <p:txBody>
@@ -4184,16 +4140,16 @@
         </p:spPr>
         <p:style>
           <a:lnRef idx="2">
-            <a:schemeClr val="accent2"/>
+            <a:schemeClr val="dk1"/>
           </a:lnRef>
-          <a:fillRef idx="0">
-            <a:schemeClr val="accent2"/>
+          <a:fillRef idx="1">
+            <a:schemeClr val="lt1"/>
           </a:fillRef>
-          <a:effectRef idx="1">
-            <a:schemeClr val="accent2"/>
+          <a:effectRef idx="0">
+            <a:schemeClr val="dk1"/>
           </a:effectRef>
           <a:fontRef idx="minor">
-            <a:schemeClr val="tx1"/>
+            <a:schemeClr val="dk1"/>
           </a:fontRef>
         </p:style>
       </p:cxnSp>
@@ -4217,16 +4173,16 @@
         </p:spPr>
         <p:style>
           <a:lnRef idx="2">
-            <a:schemeClr val="accent2"/>
+            <a:schemeClr val="dk1"/>
           </a:lnRef>
-          <a:fillRef idx="0">
-            <a:schemeClr val="accent2"/>
+          <a:fillRef idx="1">
+            <a:schemeClr val="lt1"/>
           </a:fillRef>
-          <a:effectRef idx="1">
-            <a:schemeClr val="accent2"/>
+          <a:effectRef idx="0">
+            <a:schemeClr val="dk1"/>
           </a:effectRef>
           <a:fontRef idx="minor">
-            <a:schemeClr val="tx1"/>
+            <a:schemeClr val="dk1"/>
           </a:fontRef>
         </p:style>
       </p:cxnSp>
